--- a/git_github_workshop.pptx
+++ b/git_github_workshop.pptx
@@ -25,6 +25,7 @@
     <p:sldId id="272" r:id="rId19"/>
     <p:sldId id="276" r:id="rId20"/>
     <p:sldId id="277" r:id="rId21"/>
+    <p:sldId id="278" r:id="rId22"/>
   </p:sldIdLst>
   <p:sldSz cx="9144000" cy="6858000" type="screen4x3"/>
   <p:notesSz cx="6858000" cy="9144000"/>
@@ -148,6 +149,7 @@
             <p14:sldId id="272"/>
             <p14:sldId id="276"/>
             <p14:sldId id="277"/>
+            <p14:sldId id="278"/>
           </p14:sldIdLst>
         </p14:section>
       </p14:sectionLst>
@@ -4730,18 +4732,7 @@
                 <a:ea typeface="Verdana" panose="020B0604030504040204" pitchFamily="34" charset="0"/>
                 <a:cs typeface="Verdana" panose="020B0604030504040204" pitchFamily="34" charset="0"/>
               </a:rPr>
-              <a:t> </a:t>
-            </a:r>
-            <a:r>
-              <a:rPr lang="en-US" altLang="ko-KR" sz="3200" b="1" dirty="0" smtClean="0">
-                <a:solidFill>
-                  <a:srgbClr val="FFC000"/>
-                </a:solidFill>
-                <a:latin typeface="Verdana" panose="020B0604030504040204" pitchFamily="34" charset="0"/>
-                <a:ea typeface="Verdana" panose="020B0604030504040204" pitchFamily="34" charset="0"/>
-                <a:cs typeface="Verdana" panose="020B0604030504040204" pitchFamily="34" charset="0"/>
-              </a:rPr>
-              <a:t>branch</a:t>
+              <a:t> branch</a:t>
             </a:r>
             <a:endParaRPr lang="ko-KR" altLang="en-US" sz="3200" b="1" dirty="0">
               <a:solidFill>
@@ -4781,14 +4772,7 @@
                 <a:latin typeface="나눔바른고딕" panose="020B0603020101020101" pitchFamily="50" charset="-127"/>
                 <a:ea typeface="나눔바른고딕" panose="020B0603020101020101" pitchFamily="50" charset="-127"/>
               </a:rPr>
-              <a:t>※ </a:t>
-            </a:r>
-            <a:r>
-              <a:rPr lang="en-US" altLang="ko-KR" b="1" dirty="0" smtClean="0">
-                <a:latin typeface="나눔바른고딕" panose="020B0603020101020101" pitchFamily="50" charset="-127"/>
-                <a:ea typeface="나눔바른고딕" panose="020B0603020101020101" pitchFamily="50" charset="-127"/>
-              </a:rPr>
-              <a:t>branch</a:t>
+              <a:t>※ branch</a:t>
             </a:r>
             <a:r>
               <a:rPr lang="ko-KR" altLang="en-US" b="1" dirty="0" smtClean="0">
@@ -5169,18 +5153,7 @@
                 <a:ea typeface="Verdana" panose="020B0604030504040204" pitchFamily="34" charset="0"/>
                 <a:cs typeface="Verdana" panose="020B0604030504040204" pitchFamily="34" charset="0"/>
               </a:rPr>
-              <a:t> </a:t>
-            </a:r>
-            <a:r>
-              <a:rPr lang="en-US" altLang="ko-KR" sz="3200" b="1" dirty="0" smtClean="0">
-                <a:solidFill>
-                  <a:srgbClr val="FFC000"/>
-                </a:solidFill>
-                <a:latin typeface="Verdana" panose="020B0604030504040204" pitchFamily="34" charset="0"/>
-                <a:ea typeface="Verdana" panose="020B0604030504040204" pitchFamily="34" charset="0"/>
-                <a:cs typeface="Verdana" panose="020B0604030504040204" pitchFamily="34" charset="0"/>
-              </a:rPr>
-              <a:t>branch</a:t>
+              <a:t> branch</a:t>
             </a:r>
             <a:endParaRPr lang="ko-KR" altLang="en-US" sz="3200" b="1" dirty="0">
               <a:solidFill>
@@ -5237,15 +5210,7 @@
                 <a:ea typeface="Verdana" panose="020B0604030504040204" pitchFamily="34" charset="0"/>
                 <a:cs typeface="Verdana" panose="020B0604030504040204" pitchFamily="34" charset="0"/>
               </a:rPr>
-              <a:t> </a:t>
-            </a:r>
-            <a:r>
-              <a:rPr lang="en-US" altLang="ko-KR" b="1" dirty="0" smtClean="0">
-                <a:latin typeface="Verdana" panose="020B0604030504040204" pitchFamily="34" charset="0"/>
-                <a:ea typeface="Verdana" panose="020B0604030504040204" pitchFamily="34" charset="0"/>
-                <a:cs typeface="Verdana" panose="020B0604030504040204" pitchFamily="34" charset="0"/>
-              </a:rPr>
-              <a:t>branch</a:t>
+              <a:t> branch</a:t>
             </a:r>
             <a:r>
               <a:rPr lang="en-US" altLang="ko-KR" dirty="0" smtClean="0">
@@ -5326,15 +5291,7 @@
                 <a:ea typeface="Verdana" panose="020B0604030504040204" pitchFamily="34" charset="0"/>
                 <a:cs typeface="Verdana" panose="020B0604030504040204" pitchFamily="34" charset="0"/>
               </a:rPr>
-              <a:t> </a:t>
-            </a:r>
-            <a:r>
-              <a:rPr lang="en-US" altLang="ko-KR" b="1" dirty="0" smtClean="0">
-                <a:latin typeface="Verdana" panose="020B0604030504040204" pitchFamily="34" charset="0"/>
-                <a:ea typeface="Verdana" panose="020B0604030504040204" pitchFamily="34" charset="0"/>
-                <a:cs typeface="Verdana" panose="020B0604030504040204" pitchFamily="34" charset="0"/>
-              </a:rPr>
-              <a:t>branch “</a:t>
+              <a:t> branch “</a:t>
             </a:r>
             <a:r>
               <a:rPr lang="ko-KR" altLang="en-US" b="1" dirty="0" err="1" smtClean="0">
@@ -5424,15 +5381,7 @@
                 <a:ea typeface="Verdana" panose="020B0604030504040204" pitchFamily="34" charset="0"/>
                 <a:cs typeface="Verdana" panose="020B0604030504040204" pitchFamily="34" charset="0"/>
               </a:rPr>
-              <a:t> </a:t>
-            </a:r>
-            <a:r>
-              <a:rPr lang="en-US" altLang="ko-KR" b="1" dirty="0" smtClean="0">
-                <a:latin typeface="Verdana" panose="020B0604030504040204" pitchFamily="34" charset="0"/>
-                <a:ea typeface="Verdana" panose="020B0604030504040204" pitchFamily="34" charset="0"/>
-                <a:cs typeface="Verdana" panose="020B0604030504040204" pitchFamily="34" charset="0"/>
-              </a:rPr>
-              <a:t>checkout “</a:t>
+              <a:t> checkout “</a:t>
             </a:r>
             <a:r>
               <a:rPr lang="ko-KR" altLang="en-US" b="1" dirty="0" err="1" smtClean="0">
@@ -5522,15 +5471,7 @@
                 <a:ea typeface="Verdana" panose="020B0604030504040204" pitchFamily="34" charset="0"/>
                 <a:cs typeface="Verdana" panose="020B0604030504040204" pitchFamily="34" charset="0"/>
               </a:rPr>
-              <a:t> </a:t>
-            </a:r>
-            <a:r>
-              <a:rPr lang="en-US" altLang="ko-KR" b="1" dirty="0" smtClean="0">
-                <a:latin typeface="Verdana" panose="020B0604030504040204" pitchFamily="34" charset="0"/>
-                <a:ea typeface="Verdana" panose="020B0604030504040204" pitchFamily="34" charset="0"/>
-                <a:cs typeface="Verdana" panose="020B0604030504040204" pitchFamily="34" charset="0"/>
-              </a:rPr>
-              <a:t>branch –d “</a:t>
+              <a:t> branch –d “</a:t>
             </a:r>
             <a:r>
               <a:rPr lang="ko-KR" altLang="en-US" b="1" dirty="0" err="1" smtClean="0">
@@ -5615,31 +5556,7 @@
                 <a:ea typeface="Verdana" panose="020B0604030504040204" pitchFamily="34" charset="0"/>
                 <a:cs typeface="Verdana" panose="020B0604030504040204" pitchFamily="34" charset="0"/>
               </a:rPr>
-              <a:t> </a:t>
-            </a:r>
-            <a:r>
-              <a:rPr lang="en-US" altLang="ko-KR" b="1" dirty="0" smtClean="0">
-                <a:latin typeface="Verdana" panose="020B0604030504040204" pitchFamily="34" charset="0"/>
-                <a:ea typeface="Verdana" panose="020B0604030504040204" pitchFamily="34" charset="0"/>
-                <a:cs typeface="Verdana" panose="020B0604030504040204" pitchFamily="34" charset="0"/>
-              </a:rPr>
-              <a:t>log --branches </a:t>
-            </a:r>
-            <a:r>
-              <a:rPr lang="en-US" altLang="ko-KR" b="1" dirty="0" smtClean="0">
-                <a:latin typeface="Verdana" panose="020B0604030504040204" pitchFamily="34" charset="0"/>
-                <a:ea typeface="Verdana" panose="020B0604030504040204" pitchFamily="34" charset="0"/>
-                <a:cs typeface="Verdana" panose="020B0604030504040204" pitchFamily="34" charset="0"/>
-              </a:rPr>
-              <a:t>--</a:t>
-            </a:r>
-            <a:r>
-              <a:rPr lang="en-US" altLang="ko-KR" b="1" dirty="0" smtClean="0">
-                <a:latin typeface="Verdana" panose="020B0604030504040204" pitchFamily="34" charset="0"/>
-                <a:ea typeface="Verdana" panose="020B0604030504040204" pitchFamily="34" charset="0"/>
-                <a:cs typeface="Verdana" panose="020B0604030504040204" pitchFamily="34" charset="0"/>
-              </a:rPr>
-              <a:t>decorate -- graph --</a:t>
+              <a:t> log --branches --decorate -- graph --</a:t>
             </a:r>
             <a:r>
               <a:rPr lang="en-US" altLang="ko-KR" b="1" dirty="0" err="1" smtClean="0">
@@ -6006,15 +5923,7 @@
                 <a:ea typeface="나눔바른고딕" panose="020B0603020101020101" pitchFamily="50" charset="-127"/>
                 <a:cs typeface="Verdana" panose="020B0604030504040204" pitchFamily="34" charset="0"/>
               </a:rPr>
-              <a:t>에는 없는 </a:t>
-            </a:r>
-            <a:r>
-              <a:rPr lang="ko-KR" altLang="en-US" dirty="0" smtClean="0">
-                <a:latin typeface="나눔바른고딕" panose="020B0603020101020101" pitchFamily="50" charset="-127"/>
-                <a:ea typeface="나눔바른고딕" panose="020B0603020101020101" pitchFamily="50" charset="-127"/>
-                <a:cs typeface="Verdana" panose="020B0604030504040204" pitchFamily="34" charset="0"/>
-              </a:rPr>
-              <a:t>코</a:t>
+              <a:t>에는 없는 코</a:t>
             </a:r>
             <a:r>
               <a:rPr lang="ko-KR" altLang="en-US" dirty="0">
@@ -6340,18 +6249,7 @@
                 <a:ea typeface="Verdana" panose="020B0604030504040204" pitchFamily="34" charset="0"/>
                 <a:cs typeface="Verdana" panose="020B0604030504040204" pitchFamily="34" charset="0"/>
               </a:rPr>
-              <a:t> </a:t>
-            </a:r>
-            <a:r>
-              <a:rPr lang="en-US" altLang="ko-KR" sz="3200" b="1" dirty="0" smtClean="0">
-                <a:solidFill>
-                  <a:srgbClr val="FFC000"/>
-                </a:solidFill>
-                <a:latin typeface="Verdana" panose="020B0604030504040204" pitchFamily="34" charset="0"/>
-                <a:ea typeface="Verdana" panose="020B0604030504040204" pitchFamily="34" charset="0"/>
-                <a:cs typeface="Verdana" panose="020B0604030504040204" pitchFamily="34" charset="0"/>
-              </a:rPr>
-              <a:t>branch</a:t>
+              <a:t> branch</a:t>
             </a:r>
             <a:endParaRPr lang="ko-KR" altLang="en-US" sz="3200" b="1" dirty="0">
               <a:solidFill>
@@ -6408,15 +6306,7 @@
                 <a:ea typeface="Verdana" panose="020B0604030504040204" pitchFamily="34" charset="0"/>
                 <a:cs typeface="Verdana" panose="020B0604030504040204" pitchFamily="34" charset="0"/>
               </a:rPr>
-              <a:t> </a:t>
-            </a:r>
-            <a:r>
-              <a:rPr lang="en-US" altLang="ko-KR" b="1" dirty="0" smtClean="0">
-                <a:latin typeface="Verdana" panose="020B0604030504040204" pitchFamily="34" charset="0"/>
-                <a:ea typeface="Verdana" panose="020B0604030504040204" pitchFamily="34" charset="0"/>
-                <a:cs typeface="Verdana" panose="020B0604030504040204" pitchFamily="34" charset="0"/>
-              </a:rPr>
-              <a:t>merge “</a:t>
+              <a:t> merge “</a:t>
             </a:r>
             <a:r>
               <a:rPr lang="ko-KR" altLang="en-US" b="1" dirty="0" err="1" smtClean="0">
@@ -6548,15 +6438,7 @@
                 <a:ea typeface="Verdana" panose="020B0604030504040204" pitchFamily="34" charset="0"/>
                 <a:cs typeface="Verdana" panose="020B0604030504040204" pitchFamily="34" charset="0"/>
               </a:rPr>
-              <a:t> </a:t>
-            </a:r>
-            <a:r>
-              <a:rPr lang="en-US" altLang="ko-KR" b="1" dirty="0" smtClean="0">
-                <a:latin typeface="Verdana" panose="020B0604030504040204" pitchFamily="34" charset="0"/>
-                <a:ea typeface="Verdana" panose="020B0604030504040204" pitchFamily="34" charset="0"/>
-                <a:cs typeface="Verdana" panose="020B0604030504040204" pitchFamily="34" charset="0"/>
-              </a:rPr>
-              <a:t>status </a:t>
+              <a:t> status </a:t>
             </a:r>
             <a:r>
               <a:rPr lang="en-US" altLang="ko-KR" dirty="0" smtClean="0">
@@ -6623,15 +6505,7 @@
                 <a:ea typeface="Verdana" panose="020B0604030504040204" pitchFamily="34" charset="0"/>
                 <a:cs typeface="Verdana" panose="020B0604030504040204" pitchFamily="34" charset="0"/>
               </a:rPr>
-              <a:t> </a:t>
-            </a:r>
-            <a:r>
-              <a:rPr lang="en-US" altLang="ko-KR" b="1" dirty="0" smtClean="0">
-                <a:latin typeface="Verdana" panose="020B0604030504040204" pitchFamily="34" charset="0"/>
-                <a:ea typeface="Verdana" panose="020B0604030504040204" pitchFamily="34" charset="0"/>
-                <a:cs typeface="Verdana" panose="020B0604030504040204" pitchFamily="34" charset="0"/>
-              </a:rPr>
-              <a:t>add </a:t>
+              <a:t> add </a:t>
             </a:r>
             <a:r>
               <a:rPr lang="en-US" altLang="ko-KR" dirty="0" smtClean="0">
@@ -6705,37 +6579,14 @@
                 <a:ea typeface="Verdana" panose="020B0604030504040204" pitchFamily="34" charset="0"/>
                 <a:cs typeface="Verdana" panose="020B0604030504040204" pitchFamily="34" charset="0"/>
               </a:rPr>
-              <a:t> </a:t>
-            </a:r>
-            <a:r>
-              <a:rPr lang="en-US" altLang="ko-KR" b="1" dirty="0" smtClean="0">
-                <a:latin typeface="Verdana" panose="020B0604030504040204" pitchFamily="34" charset="0"/>
-                <a:ea typeface="Verdana" panose="020B0604030504040204" pitchFamily="34" charset="0"/>
-                <a:cs typeface="Verdana" panose="020B0604030504040204" pitchFamily="34" charset="0"/>
-              </a:rPr>
-              <a:t>commit</a:t>
-            </a:r>
-            <a:r>
-              <a:rPr lang="en-US" altLang="ko-KR" b="1" dirty="0" smtClean="0">
-                <a:latin typeface="Verdana" panose="020B0604030504040204" pitchFamily="34" charset="0"/>
-                <a:ea typeface="Verdana" panose="020B0604030504040204" pitchFamily="34" charset="0"/>
-                <a:cs typeface="Verdana" panose="020B0604030504040204" pitchFamily="34" charset="0"/>
-              </a:rPr>
-              <a:t> </a:t>
+              <a:t> commit </a:t>
             </a:r>
             <a:r>
               <a:rPr lang="en-US" altLang="ko-KR" dirty="0" smtClean="0">
                 <a:latin typeface="나눔바른고딕" panose="020B0603020101020101" pitchFamily="50" charset="-127"/>
                 <a:ea typeface="나눔바른고딕" panose="020B0603020101020101" pitchFamily="50" charset="-127"/>
               </a:rPr>
-              <a:t>:</a:t>
-            </a:r>
-            <a:r>
-              <a:rPr lang="en-US" altLang="ko-KR" dirty="0" smtClean="0">
-                <a:latin typeface="나눔바른고딕" panose="020B0603020101020101" pitchFamily="50" charset="-127"/>
-                <a:ea typeface="나눔바른고딕" panose="020B0603020101020101" pitchFamily="50" charset="-127"/>
-              </a:rPr>
-              <a:t>commit</a:t>
+              <a:t>:commit</a:t>
             </a:r>
             <a:endParaRPr lang="ko-KR" altLang="en-US" dirty="0">
               <a:latin typeface="나눔바른고딕" panose="020B0603020101020101" pitchFamily="50" charset="-127"/>
@@ -8997,7 +8848,17 @@
                 <a:latin typeface="나눔바른고딕" panose="020B0603020101020101" pitchFamily="50" charset="-127"/>
                 <a:ea typeface="나눔바른고딕" panose="020B0603020101020101" pitchFamily="50" charset="-127"/>
               </a:rPr>
-              <a:t>: pull request</a:t>
+              <a:t>: 1</a:t>
+            </a:r>
+            <a:r>
+              <a:rPr lang="ko-KR" altLang="en-US" sz="3200" b="1" dirty="0" smtClean="0">
+                <a:solidFill>
+                  <a:srgbClr val="FFC000"/>
+                </a:solidFill>
+                <a:latin typeface="나눔바른고딕" panose="020B0603020101020101" pitchFamily="50" charset="-127"/>
+                <a:ea typeface="나눔바른고딕" panose="020B0603020101020101" pitchFamily="50" charset="-127"/>
+              </a:rPr>
+              <a:t>개의 원격저장소 사용</a:t>
             </a:r>
             <a:endParaRPr lang="ko-KR" altLang="en-US" sz="3200" b="1" dirty="0">
               <a:solidFill>
@@ -9007,6 +8868,330 @@
               <a:ea typeface="나눔바른고딕" panose="020B0603020101020101" pitchFamily="50" charset="-127"/>
               <a:cs typeface="Verdana" panose="020B0604030504040204" pitchFamily="34" charset="0"/>
             </a:endParaRPr>
+          </a:p>
+        </p:txBody>
+      </p:sp>
+      <p:pic>
+        <p:nvPicPr>
+          <p:cNvPr id="5122" name="Picture 2" descr="https://gmlwjd9405.github.io/images/github-collaboration1/github-collaboration-3.png"/>
+          <p:cNvPicPr>
+            <a:picLocks noChangeAspect="1" noChangeArrowheads="1"/>
+          </p:cNvPicPr>
+          <p:nvPr/>
+        </p:nvPicPr>
+        <p:blipFill rotWithShape="1">
+          <a:blip r:embed="rId2" cstate="print">
+            <a:extLst>
+              <a:ext uri="{28A0092B-C50C-407E-A947-70E740481C1C}">
+                <a14:useLocalDpi xmlns:a14="http://schemas.microsoft.com/office/drawing/2010/main" val="0"/>
+              </a:ext>
+            </a:extLst>
+          </a:blip>
+          <a:srcRect l="3157" t="13465" r="6436" b="3828"/>
+          <a:stretch/>
+        </p:blipFill>
+        <p:spPr bwMode="auto">
+          <a:xfrm>
+            <a:off x="-324544" y="1196752"/>
+            <a:ext cx="4808859" cy="2476500"/>
+          </a:xfrm>
+          <a:prstGeom prst="rect">
+            <a:avLst/>
+          </a:prstGeom>
+          <a:noFill/>
+          <a:ln>
+            <a:noFill/>
+          </a:ln>
+          <a:extLst>
+            <a:ext uri="{909E8E84-426E-40DD-AFC4-6F175D3DCCD1}">
+              <a14:hiddenFill xmlns:a14="http://schemas.microsoft.com/office/drawing/2010/main">
+                <a:solidFill>
+                  <a:srgbClr val="FFFFFF"/>
+                </a:solidFill>
+              </a14:hiddenFill>
+            </a:ext>
+          </a:extLst>
+        </p:spPr>
+      </p:pic>
+      <p:pic>
+        <p:nvPicPr>
+          <p:cNvPr id="5124" name="Picture 4" descr="https://gmlwjd9405.github.io/images/github-collaboration1/github-collaboration-7.png"/>
+          <p:cNvPicPr>
+            <a:picLocks noChangeAspect="1" noChangeArrowheads="1"/>
+          </p:cNvPicPr>
+          <p:nvPr/>
+        </p:nvPicPr>
+        <p:blipFill rotWithShape="1">
+          <a:blip r:embed="rId3" cstate="print">
+            <a:extLst>
+              <a:ext uri="{28A0092B-C50C-407E-A947-70E740481C1C}">
+                <a14:useLocalDpi xmlns:a14="http://schemas.microsoft.com/office/drawing/2010/main" val="0"/>
+              </a:ext>
+            </a:extLst>
+          </a:blip>
+          <a:srcRect l="5187" t="7306" r="6093" b="3447"/>
+          <a:stretch/>
+        </p:blipFill>
+        <p:spPr bwMode="auto">
+          <a:xfrm>
+            <a:off x="4484315" y="980728"/>
+            <a:ext cx="4659685" cy="2638649"/>
+          </a:xfrm>
+          <a:prstGeom prst="rect">
+            <a:avLst/>
+          </a:prstGeom>
+          <a:noFill/>
+          <a:extLst>
+            <a:ext uri="{909E8E84-426E-40DD-AFC4-6F175D3DCCD1}">
+              <a14:hiddenFill xmlns:a14="http://schemas.microsoft.com/office/drawing/2010/main">
+                <a:solidFill>
+                  <a:srgbClr val="FFFFFF"/>
+                </a:solidFill>
+              </a14:hiddenFill>
+            </a:ext>
+          </a:extLst>
+        </p:spPr>
+      </p:pic>
+      <p:sp>
+        <p:nvSpPr>
+          <p:cNvPr id="6" name="직사각형 5"/>
+          <p:cNvSpPr/>
+          <p:nvPr/>
+        </p:nvSpPr>
+        <p:spPr>
+          <a:xfrm>
+            <a:off x="4572000" y="2780928"/>
+            <a:ext cx="1584176" cy="216024"/>
+          </a:xfrm>
+          <a:prstGeom prst="rect">
+            <a:avLst/>
+          </a:prstGeom>
+          <a:noFill/>
+          <a:ln>
+            <a:solidFill>
+              <a:srgbClr val="FF0000"/>
+            </a:solidFill>
+          </a:ln>
+        </p:spPr>
+        <p:style>
+          <a:lnRef idx="2">
+            <a:schemeClr val="accent1">
+              <a:shade val="50000"/>
+            </a:schemeClr>
+          </a:lnRef>
+          <a:fillRef idx="1">
+            <a:schemeClr val="accent1"/>
+          </a:fillRef>
+          <a:effectRef idx="0">
+            <a:schemeClr val="accent1"/>
+          </a:effectRef>
+          <a:fontRef idx="minor">
+            <a:schemeClr val="lt1"/>
+          </a:fontRef>
+        </p:style>
+        <p:txBody>
+          <a:bodyPr rtlCol="0" anchor="ctr"/>
+          <a:lstStyle/>
+          <a:p>
+            <a:pPr algn="ctr"/>
+            <a:endParaRPr lang="ko-KR" altLang="en-US"/>
+          </a:p>
+        </p:txBody>
+      </p:sp>
+      <p:pic>
+        <p:nvPicPr>
+          <p:cNvPr id="5126" name="Picture 6" descr="https://gmlwjd9405.github.io/images/github-collaboration1/github-collaboration-8.png"/>
+          <p:cNvPicPr>
+            <a:picLocks noChangeAspect="1" noChangeArrowheads="1"/>
+          </p:cNvPicPr>
+          <p:nvPr/>
+        </p:nvPicPr>
+        <p:blipFill rotWithShape="1">
+          <a:blip r:embed="rId4" cstate="print">
+            <a:extLst>
+              <a:ext uri="{28A0092B-C50C-407E-A947-70E740481C1C}">
+                <a14:useLocalDpi xmlns:a14="http://schemas.microsoft.com/office/drawing/2010/main" val="0"/>
+              </a:ext>
+            </a:extLst>
+          </a:blip>
+          <a:srcRect l="17965" t="9190" r="6622" b="9423"/>
+          <a:stretch/>
+        </p:blipFill>
+        <p:spPr bwMode="auto">
+          <a:xfrm>
+            <a:off x="-296416" y="3789040"/>
+            <a:ext cx="4724400" cy="2870200"/>
+          </a:xfrm>
+          <a:prstGeom prst="rect">
+            <a:avLst/>
+          </a:prstGeom>
+          <a:noFill/>
+          <a:extLst>
+            <a:ext uri="{909E8E84-426E-40DD-AFC4-6F175D3DCCD1}">
+              <a14:hiddenFill xmlns:a14="http://schemas.microsoft.com/office/drawing/2010/main">
+                <a:solidFill>
+                  <a:srgbClr val="FFFFFF"/>
+                </a:solidFill>
+              </a14:hiddenFill>
+            </a:ext>
+          </a:extLst>
+        </p:spPr>
+      </p:pic>
+      <p:pic>
+        <p:nvPicPr>
+          <p:cNvPr id="5128" name="Picture 8" descr="https://gmlwjd9405.github.io/images/github-collaboration1/github-collaboration-10.png"/>
+          <p:cNvPicPr>
+            <a:picLocks noChangeAspect="1" noChangeArrowheads="1"/>
+          </p:cNvPicPr>
+          <p:nvPr/>
+        </p:nvPicPr>
+        <p:blipFill rotWithShape="1">
+          <a:blip r:embed="rId5" cstate="print">
+            <a:extLst>
+              <a:ext uri="{28A0092B-C50C-407E-A947-70E740481C1C}">
+                <a14:useLocalDpi xmlns:a14="http://schemas.microsoft.com/office/drawing/2010/main" val="0"/>
+              </a:ext>
+            </a:extLst>
+          </a:blip>
+          <a:srcRect l="8136" t="12227" r="5295" b="10510"/>
+          <a:stretch/>
+        </p:blipFill>
+        <p:spPr bwMode="auto">
+          <a:xfrm>
+            <a:off x="3911600" y="3896444"/>
+            <a:ext cx="5232400" cy="2628900"/>
+          </a:xfrm>
+          <a:prstGeom prst="rect">
+            <a:avLst/>
+          </a:prstGeom>
+          <a:noFill/>
+          <a:extLst>
+            <a:ext uri="{909E8E84-426E-40DD-AFC4-6F175D3DCCD1}">
+              <a14:hiddenFill xmlns:a14="http://schemas.microsoft.com/office/drawing/2010/main">
+                <a:solidFill>
+                  <a:srgbClr val="FFFFFF"/>
+                </a:solidFill>
+              </a14:hiddenFill>
+            </a:ext>
+          </a:extLst>
+        </p:spPr>
+      </p:pic>
+      <p:sp>
+        <p:nvSpPr>
+          <p:cNvPr id="2" name="TextBox 1"/>
+          <p:cNvSpPr txBox="1"/>
+          <p:nvPr/>
+        </p:nvSpPr>
+        <p:spPr>
+          <a:xfrm>
+            <a:off x="251520" y="1196752"/>
+            <a:ext cx="432048" cy="369332"/>
+          </a:xfrm>
+          <a:prstGeom prst="rect">
+            <a:avLst/>
+          </a:prstGeom>
+          <a:noFill/>
+        </p:spPr>
+        <p:txBody>
+          <a:bodyPr wrap="square" rtlCol="0">
+            <a:spAutoFit/>
+          </a:bodyPr>
+          <a:lstStyle/>
+          <a:p>
+            <a:r>
+              <a:rPr lang="ko-KR" altLang="en-US" dirty="0" smtClean="0"/>
+              <a:t>①</a:t>
+            </a:r>
+            <a:endParaRPr lang="ko-KR" altLang="en-US" dirty="0"/>
+          </a:p>
+        </p:txBody>
+      </p:sp>
+      <p:sp>
+        <p:nvSpPr>
+          <p:cNvPr id="10" name="TextBox 9"/>
+          <p:cNvSpPr txBox="1"/>
+          <p:nvPr/>
+        </p:nvSpPr>
+        <p:spPr>
+          <a:xfrm>
+            <a:off x="4788024" y="1196752"/>
+            <a:ext cx="432048" cy="369332"/>
+          </a:xfrm>
+          <a:prstGeom prst="rect">
+            <a:avLst/>
+          </a:prstGeom>
+          <a:noFill/>
+        </p:spPr>
+        <p:txBody>
+          <a:bodyPr wrap="square" rtlCol="0">
+            <a:spAutoFit/>
+          </a:bodyPr>
+          <a:lstStyle/>
+          <a:p>
+            <a:r>
+              <a:rPr lang="ko-KR" altLang="en-US" dirty="0" smtClean="0"/>
+              <a:t>②</a:t>
+            </a:r>
+            <a:endParaRPr lang="ko-KR" altLang="en-US" dirty="0"/>
+          </a:p>
+        </p:txBody>
+      </p:sp>
+      <p:sp>
+        <p:nvSpPr>
+          <p:cNvPr id="11" name="TextBox 10"/>
+          <p:cNvSpPr txBox="1"/>
+          <p:nvPr/>
+        </p:nvSpPr>
+        <p:spPr>
+          <a:xfrm>
+            <a:off x="238717" y="4077072"/>
+            <a:ext cx="432048" cy="369332"/>
+          </a:xfrm>
+          <a:prstGeom prst="rect">
+            <a:avLst/>
+          </a:prstGeom>
+          <a:noFill/>
+        </p:spPr>
+        <p:txBody>
+          <a:bodyPr wrap="square" rtlCol="0">
+            <a:spAutoFit/>
+          </a:bodyPr>
+          <a:lstStyle/>
+          <a:p>
+            <a:r>
+              <a:rPr lang="ko-KR" altLang="en-US" dirty="0" smtClean="0"/>
+              <a:t>③</a:t>
+            </a:r>
+            <a:endParaRPr lang="ko-KR" altLang="en-US" dirty="0"/>
+          </a:p>
+        </p:txBody>
+      </p:sp>
+      <p:sp>
+        <p:nvSpPr>
+          <p:cNvPr id="12" name="TextBox 11"/>
+          <p:cNvSpPr txBox="1"/>
+          <p:nvPr/>
+        </p:nvSpPr>
+        <p:spPr>
+          <a:xfrm>
+            <a:off x="4770528" y="4056579"/>
+            <a:ext cx="432048" cy="369332"/>
+          </a:xfrm>
+          <a:prstGeom prst="rect">
+            <a:avLst/>
+          </a:prstGeom>
+          <a:noFill/>
+        </p:spPr>
+        <p:txBody>
+          <a:bodyPr wrap="square" rtlCol="0">
+            <a:spAutoFit/>
+          </a:bodyPr>
+          <a:lstStyle/>
+          <a:p>
+            <a:r>
+              <a:rPr lang="ko-KR" altLang="en-US" dirty="0"/>
+              <a:t>④</a:t>
+            </a:r>
           </a:p>
         </p:txBody>
       </p:sp>
@@ -9442,10 +9627,338 @@
           </a:p>
         </p:txBody>
       </p:sp>
+      <p:sp>
+        <p:nvSpPr>
+          <p:cNvPr id="2" name="TextBox 1"/>
+          <p:cNvSpPr txBox="1"/>
+          <p:nvPr/>
+        </p:nvSpPr>
+        <p:spPr>
+          <a:xfrm>
+            <a:off x="525038" y="1326816"/>
+            <a:ext cx="7992888" cy="369332"/>
+          </a:xfrm>
+          <a:prstGeom prst="rect">
+            <a:avLst/>
+          </a:prstGeom>
+          <a:noFill/>
+        </p:spPr>
+        <p:txBody>
+          <a:bodyPr wrap="square" rtlCol="0">
+            <a:spAutoFit/>
+          </a:bodyPr>
+          <a:lstStyle/>
+          <a:p>
+            <a:r>
+              <a:rPr lang="ko-KR" altLang="en-US" dirty="0" smtClean="0">
+                <a:latin typeface="나눔바른고딕" panose="020B0603020101020101" pitchFamily="50" charset="-127"/>
+                <a:ea typeface="나눔바른고딕" panose="020B0603020101020101" pitchFamily="50" charset="-127"/>
+              </a:rPr>
+              <a:t>생활코딩</a:t>
+            </a:r>
+            <a:r>
+              <a:rPr lang="en-US" altLang="ko-KR" dirty="0" smtClean="0">
+                <a:latin typeface="나눔바른고딕" panose="020B0603020101020101" pitchFamily="50" charset="-127"/>
+                <a:ea typeface="나눔바른고딕" panose="020B0603020101020101" pitchFamily="50" charset="-127"/>
+              </a:rPr>
+              <a:t>(</a:t>
+            </a:r>
+            <a:r>
+              <a:rPr lang="ko-KR" altLang="en-US" dirty="0" smtClean="0">
+                <a:latin typeface="나눔바른고딕" panose="020B0603020101020101" pitchFamily="50" charset="-127"/>
+                <a:ea typeface="나눔바른고딕" panose="020B0603020101020101" pitchFamily="50" charset="-127"/>
+              </a:rPr>
+              <a:t>지옥에서 온 </a:t>
+            </a:r>
+            <a:r>
+              <a:rPr lang="en-US" altLang="ko-KR" dirty="0" err="1" smtClean="0">
+                <a:latin typeface="나눔바른고딕" panose="020B0603020101020101" pitchFamily="50" charset="-127"/>
+                <a:ea typeface="나눔바른고딕" panose="020B0603020101020101" pitchFamily="50" charset="-127"/>
+              </a:rPr>
+              <a:t>Git</a:t>
+            </a:r>
+            <a:r>
+              <a:rPr lang="en-US" altLang="ko-KR" dirty="0">
+                <a:latin typeface="나눔바른고딕" panose="020B0603020101020101" pitchFamily="50" charset="-127"/>
+                <a:ea typeface="나눔바른고딕" panose="020B0603020101020101" pitchFamily="50" charset="-127"/>
+              </a:rPr>
+              <a:t>), https://opentutorials.org/course/2708</a:t>
+            </a:r>
+            <a:endParaRPr lang="ko-KR" altLang="en-US" dirty="0">
+              <a:latin typeface="나눔바른고딕" panose="020B0603020101020101" pitchFamily="50" charset="-127"/>
+              <a:ea typeface="나눔바른고딕" panose="020B0603020101020101" pitchFamily="50" charset="-127"/>
+            </a:endParaRPr>
+          </a:p>
+        </p:txBody>
+      </p:sp>
+      <p:sp>
+        <p:nvSpPr>
+          <p:cNvPr id="6" name="TextBox 5"/>
+          <p:cNvSpPr txBox="1"/>
+          <p:nvPr/>
+        </p:nvSpPr>
+        <p:spPr>
+          <a:xfrm>
+            <a:off x="525038" y="1772816"/>
+            <a:ext cx="7992888" cy="646331"/>
+          </a:xfrm>
+          <a:prstGeom prst="rect">
+            <a:avLst/>
+          </a:prstGeom>
+          <a:noFill/>
+        </p:spPr>
+        <p:txBody>
+          <a:bodyPr wrap="square" rtlCol="0">
+            <a:spAutoFit/>
+          </a:bodyPr>
+          <a:lstStyle/>
+          <a:p>
+            <a:r>
+              <a:rPr lang="en-US" altLang="ko-KR" dirty="0">
+                <a:latin typeface="나눔바른고딕" panose="020B0603020101020101" pitchFamily="50" charset="-127"/>
+                <a:ea typeface="나눔바른고딕" panose="020B0603020101020101" pitchFamily="50" charset="-127"/>
+              </a:rPr>
+              <a:t>https://gmlwjd9405.github.io/2017/10/27/how-to-collaborate-on-GitHub-1.html</a:t>
+            </a:r>
+            <a:endParaRPr lang="ko-KR" altLang="en-US" dirty="0">
+              <a:latin typeface="나눔바른고딕" panose="020B0603020101020101" pitchFamily="50" charset="-127"/>
+              <a:ea typeface="나눔바른고딕" panose="020B0603020101020101" pitchFamily="50" charset="-127"/>
+            </a:endParaRPr>
+          </a:p>
+        </p:txBody>
+      </p:sp>
+      <p:sp>
+        <p:nvSpPr>
+          <p:cNvPr id="7" name="TextBox 6"/>
+          <p:cNvSpPr txBox="1"/>
+          <p:nvPr/>
+        </p:nvSpPr>
+        <p:spPr>
+          <a:xfrm>
+            <a:off x="525038" y="2420326"/>
+            <a:ext cx="7992888" cy="646331"/>
+          </a:xfrm>
+          <a:prstGeom prst="rect">
+            <a:avLst/>
+          </a:prstGeom>
+          <a:noFill/>
+        </p:spPr>
+        <p:txBody>
+          <a:bodyPr wrap="square" rtlCol="0">
+            <a:spAutoFit/>
+          </a:bodyPr>
+          <a:lstStyle/>
+          <a:p>
+            <a:r>
+              <a:rPr lang="en-US" altLang="ko-KR" dirty="0">
+                <a:latin typeface="나눔바른고딕" panose="020B0603020101020101" pitchFamily="50" charset="-127"/>
+                <a:ea typeface="나눔바른고딕" panose="020B0603020101020101" pitchFamily="50" charset="-127"/>
+              </a:rPr>
+              <a:t>https://gmlwjd9405.github.io/2017/10/28/how-to-collaborate-on-GitHub-2.html</a:t>
+            </a:r>
+            <a:endParaRPr lang="ko-KR" altLang="en-US" dirty="0">
+              <a:latin typeface="나눔바른고딕" panose="020B0603020101020101" pitchFamily="50" charset="-127"/>
+              <a:ea typeface="나눔바른고딕" panose="020B0603020101020101" pitchFamily="50" charset="-127"/>
+            </a:endParaRPr>
+          </a:p>
+        </p:txBody>
+      </p:sp>
     </p:spTree>
     <p:extLst>
       <p:ext uri="{BB962C8B-B14F-4D97-AF65-F5344CB8AC3E}">
         <p14:creationId xmlns:p14="http://schemas.microsoft.com/office/powerpoint/2010/main" val="4209055106"/>
+      </p:ext>
+    </p:extLst>
+  </p:cSld>
+  <p:clrMapOvr>
+    <a:masterClrMapping/>
+  </p:clrMapOvr>
+</p:sld>
+</file>
+
+<file path=ppt/slides/slide21.xml><?xml version="1.0" encoding="utf-8"?>
+<p:sld xmlns:a="http://schemas.openxmlformats.org/drawingml/2006/main" xmlns:r="http://schemas.openxmlformats.org/officeDocument/2006/relationships" xmlns:p="http://schemas.openxmlformats.org/presentationml/2006/main">
+  <p:cSld>
+    <p:spTree>
+      <p:nvGrpSpPr>
+        <p:cNvPr id="1" name=""/>
+        <p:cNvGrpSpPr/>
+        <p:nvPr/>
+      </p:nvGrpSpPr>
+      <p:grpSpPr>
+        <a:xfrm>
+          <a:off x="0" y="0"/>
+          <a:ext cx="0" cy="0"/>
+          <a:chOff x="0" y="0"/>
+          <a:chExt cx="0" cy="0"/>
+        </a:xfrm>
+      </p:grpSpPr>
+      <p:sp>
+        <p:nvSpPr>
+          <p:cNvPr id="4" name="직사각형 3"/>
+          <p:cNvSpPr/>
+          <p:nvPr/>
+        </p:nvSpPr>
+        <p:spPr>
+          <a:xfrm>
+            <a:off x="0" y="1484784"/>
+            <a:ext cx="9144000" cy="2808312"/>
+          </a:xfrm>
+          <a:prstGeom prst="rect">
+            <a:avLst/>
+          </a:prstGeom>
+          <a:solidFill>
+            <a:srgbClr val="002060"/>
+          </a:solidFill>
+          <a:ln>
+            <a:noFill/>
+          </a:ln>
+        </p:spPr>
+        <p:style>
+          <a:lnRef idx="2">
+            <a:schemeClr val="accent1">
+              <a:shade val="50000"/>
+            </a:schemeClr>
+          </a:lnRef>
+          <a:fillRef idx="1">
+            <a:schemeClr val="accent1"/>
+          </a:fillRef>
+          <a:effectRef idx="0">
+            <a:schemeClr val="accent1"/>
+          </a:effectRef>
+          <a:fontRef idx="minor">
+            <a:schemeClr val="lt1"/>
+          </a:fontRef>
+        </p:style>
+        <p:txBody>
+          <a:bodyPr rtlCol="0" anchor="ctr"/>
+          <a:lstStyle/>
+          <a:p>
+            <a:pPr algn="ctr"/>
+            <a:endParaRPr lang="ko-KR" altLang="en-US" sz="2800">
+              <a:solidFill>
+                <a:srgbClr val="FFC000"/>
+              </a:solidFill>
+            </a:endParaRPr>
+          </a:p>
+        </p:txBody>
+      </p:sp>
+      <p:sp>
+        <p:nvSpPr>
+          <p:cNvPr id="5" name="TextBox 4"/>
+          <p:cNvSpPr txBox="1"/>
+          <p:nvPr/>
+        </p:nvSpPr>
+        <p:spPr>
+          <a:xfrm>
+            <a:off x="2541262" y="2282675"/>
+            <a:ext cx="4061476" cy="769441"/>
+          </a:xfrm>
+          <a:prstGeom prst="rect">
+            <a:avLst/>
+          </a:prstGeom>
+          <a:noFill/>
+        </p:spPr>
+        <p:txBody>
+          <a:bodyPr wrap="square" rtlCol="0">
+            <a:spAutoFit/>
+          </a:bodyPr>
+          <a:lstStyle/>
+          <a:p>
+            <a:pPr algn="ctr"/>
+            <a:r>
+              <a:rPr lang="en-US" altLang="ko-KR" sz="4400" b="1" dirty="0" smtClean="0">
+                <a:solidFill>
+                  <a:srgbClr val="FFC000"/>
+                </a:solidFill>
+                <a:latin typeface="Verdana" panose="020B0604030504040204" pitchFamily="34" charset="0"/>
+                <a:ea typeface="나눔바른고딕" panose="020B0603020101020101" pitchFamily="50" charset="-127"/>
+                <a:cs typeface="Verdana" panose="020B0604030504040204" pitchFamily="34" charset="0"/>
+              </a:rPr>
+              <a:t>Thank you</a:t>
+            </a:r>
+            <a:endParaRPr lang="ko-KR" altLang="en-US" sz="4400" b="1" dirty="0">
+              <a:solidFill>
+                <a:srgbClr val="FFC000"/>
+              </a:solidFill>
+              <a:latin typeface="Verdana" panose="020B0604030504040204" pitchFamily="34" charset="0"/>
+              <a:ea typeface="나눔바른고딕" panose="020B0603020101020101" pitchFamily="50" charset="-127"/>
+              <a:cs typeface="Verdana" panose="020B0604030504040204" pitchFamily="34" charset="0"/>
+            </a:endParaRPr>
+          </a:p>
+        </p:txBody>
+      </p:sp>
+      <p:sp>
+        <p:nvSpPr>
+          <p:cNvPr id="8" name="TextBox 7"/>
+          <p:cNvSpPr txBox="1"/>
+          <p:nvPr/>
+        </p:nvSpPr>
+        <p:spPr>
+          <a:xfrm>
+            <a:off x="1079612" y="3345959"/>
+            <a:ext cx="6984776" cy="276999"/>
+          </a:xfrm>
+          <a:prstGeom prst="rect">
+            <a:avLst/>
+          </a:prstGeom>
+          <a:noFill/>
+        </p:spPr>
+        <p:txBody>
+          <a:bodyPr wrap="square" rtlCol="0">
+            <a:spAutoFit/>
+          </a:bodyPr>
+          <a:lstStyle/>
+          <a:p>
+            <a:pPr algn="ctr"/>
+            <a:r>
+              <a:rPr lang="en-US" altLang="ko-KR" sz="1200" b="1" dirty="0" smtClean="0">
+                <a:solidFill>
+                  <a:srgbClr val="FFC000"/>
+                </a:solidFill>
+                <a:latin typeface="Verdana" panose="020B0604030504040204" pitchFamily="34" charset="0"/>
+                <a:ea typeface="나눔바른고딕" panose="020B0603020101020101" pitchFamily="50" charset="-127"/>
+                <a:cs typeface="Verdana" panose="020B0604030504040204" pitchFamily="34" charset="0"/>
+              </a:rPr>
+              <a:t>Version control, Backup </a:t>
+            </a:r>
+            <a:r>
+              <a:rPr lang="en-US" altLang="ko-KR" sz="1200" b="1" dirty="0" smtClean="0">
+                <a:solidFill>
+                  <a:srgbClr val="FFC000"/>
+                </a:solidFill>
+                <a:latin typeface="Verdana" panose="020B0604030504040204" pitchFamily="34" charset="0"/>
+                <a:ea typeface="나눔바른고딕" panose="020B0603020101020101" pitchFamily="50" charset="-127"/>
+                <a:cs typeface="Verdana" panose="020B0604030504040204" pitchFamily="34" charset="0"/>
+              </a:rPr>
+              <a:t>and</a:t>
+            </a:r>
+            <a:r>
+              <a:rPr lang="en-US" altLang="ko-KR" sz="1200" b="1" dirty="0" smtClean="0">
+                <a:solidFill>
+                  <a:srgbClr val="FFC000"/>
+                </a:solidFill>
+                <a:latin typeface="Verdana" panose="020B0604030504040204" pitchFamily="34" charset="0"/>
+                <a:ea typeface="나눔바른고딕" panose="020B0603020101020101" pitchFamily="50" charset="-127"/>
+                <a:cs typeface="Verdana" panose="020B0604030504040204" pitchFamily="34" charset="0"/>
+              </a:rPr>
+              <a:t> Collaboration are essential!</a:t>
+            </a:r>
+            <a:endParaRPr lang="ko-KR" altLang="en-US" sz="1200" b="1" dirty="0">
+              <a:solidFill>
+                <a:srgbClr val="FFC000"/>
+              </a:solidFill>
+              <a:latin typeface="Verdana" panose="020B0604030504040204" pitchFamily="34" charset="0"/>
+              <a:ea typeface="나눔바른고딕" panose="020B0603020101020101" pitchFamily="50" charset="-127"/>
+              <a:cs typeface="Verdana" panose="020B0604030504040204" pitchFamily="34" charset="0"/>
+            </a:endParaRPr>
+          </a:p>
+        </p:txBody>
+      </p:sp>
+    </p:spTree>
+    <p:extLst>
+      <p:ext uri="{BB962C8B-B14F-4D97-AF65-F5344CB8AC3E}">
+        <p14:creationId xmlns:p14="http://schemas.microsoft.com/office/powerpoint/2010/main" val="951705984"/>
       </p:ext>
     </p:extLst>
   </p:cSld>
